--- a/jump_present.pptx
+++ b/jump_present.pptx
@@ -10,6 +10,7 @@
     <p:sldId id="259" r:id="rId4"/>
     <p:sldId id="260" r:id="rId5"/>
     <p:sldId id="261" r:id="rId6"/>
+    <p:sldId id="262" r:id="rId7"/>
   </p:sldIdLst>
   <p:sldSz cx="12192000" cy="6858000"/>
   <p:notesSz cx="6858000" cy="9144000"/>
@@ -108,6 +109,11 @@
       </a:defRPr>
     </a:lvl9pPr>
   </p:defaultTextStyle>
+  <p:extLst>
+    <p:ext uri="{EFAFB233-063F-42B5-8137-9DF3F51BA10A}">
+      <p15:sldGuideLst xmlns:p15="http://schemas.microsoft.com/office/powerpoint/2012/main"/>
+    </p:ext>
+  </p:extLst>
 </p:presentation>
 </file>
 
@@ -258,7 +264,7 @@
           <a:p>
             <a:fld id="{C0CC1364-D1D4-4EF7-A146-2C4E57415373}" type="datetimeFigureOut">
               <a:rPr lang="ru-RU" smtClean="0"/>
-              <a:t>11.01.2022</a:t>
+              <a:t>20.01.2022</a:t>
             </a:fld>
             <a:endParaRPr lang="ru-RU"/>
           </a:p>
@@ -456,7 +462,7 @@
           <a:p>
             <a:fld id="{C0CC1364-D1D4-4EF7-A146-2C4E57415373}" type="datetimeFigureOut">
               <a:rPr lang="ru-RU" smtClean="0"/>
-              <a:t>11.01.2022</a:t>
+              <a:t>20.01.2022</a:t>
             </a:fld>
             <a:endParaRPr lang="ru-RU"/>
           </a:p>
@@ -664,7 +670,7 @@
           <a:p>
             <a:fld id="{C0CC1364-D1D4-4EF7-A146-2C4E57415373}" type="datetimeFigureOut">
               <a:rPr lang="ru-RU" smtClean="0"/>
-              <a:t>11.01.2022</a:t>
+              <a:t>20.01.2022</a:t>
             </a:fld>
             <a:endParaRPr lang="ru-RU"/>
           </a:p>
@@ -862,7 +868,7 @@
           <a:p>
             <a:fld id="{C0CC1364-D1D4-4EF7-A146-2C4E57415373}" type="datetimeFigureOut">
               <a:rPr lang="ru-RU" smtClean="0"/>
-              <a:t>11.01.2022</a:t>
+              <a:t>20.01.2022</a:t>
             </a:fld>
             <a:endParaRPr lang="ru-RU"/>
           </a:p>
@@ -1137,7 +1143,7 @@
           <a:p>
             <a:fld id="{C0CC1364-D1D4-4EF7-A146-2C4E57415373}" type="datetimeFigureOut">
               <a:rPr lang="ru-RU" smtClean="0"/>
-              <a:t>11.01.2022</a:t>
+              <a:t>20.01.2022</a:t>
             </a:fld>
             <a:endParaRPr lang="ru-RU"/>
           </a:p>
@@ -1402,7 +1408,7 @@
           <a:p>
             <a:fld id="{C0CC1364-D1D4-4EF7-A146-2C4E57415373}" type="datetimeFigureOut">
               <a:rPr lang="ru-RU" smtClean="0"/>
-              <a:t>11.01.2022</a:t>
+              <a:t>20.01.2022</a:t>
             </a:fld>
             <a:endParaRPr lang="ru-RU"/>
           </a:p>
@@ -1814,7 +1820,7 @@
           <a:p>
             <a:fld id="{C0CC1364-D1D4-4EF7-A146-2C4E57415373}" type="datetimeFigureOut">
               <a:rPr lang="ru-RU" smtClean="0"/>
-              <a:t>11.01.2022</a:t>
+              <a:t>20.01.2022</a:t>
             </a:fld>
             <a:endParaRPr lang="ru-RU"/>
           </a:p>
@@ -1955,7 +1961,7 @@
           <a:p>
             <a:fld id="{C0CC1364-D1D4-4EF7-A146-2C4E57415373}" type="datetimeFigureOut">
               <a:rPr lang="ru-RU" smtClean="0"/>
-              <a:t>11.01.2022</a:t>
+              <a:t>20.01.2022</a:t>
             </a:fld>
             <a:endParaRPr lang="ru-RU"/>
           </a:p>
@@ -2068,7 +2074,7 @@
           <a:p>
             <a:fld id="{C0CC1364-D1D4-4EF7-A146-2C4E57415373}" type="datetimeFigureOut">
               <a:rPr lang="ru-RU" smtClean="0"/>
-              <a:t>11.01.2022</a:t>
+              <a:t>20.01.2022</a:t>
             </a:fld>
             <a:endParaRPr lang="ru-RU"/>
           </a:p>
@@ -2379,7 +2385,7 @@
           <a:p>
             <a:fld id="{C0CC1364-D1D4-4EF7-A146-2C4E57415373}" type="datetimeFigureOut">
               <a:rPr lang="ru-RU" smtClean="0"/>
-              <a:t>11.01.2022</a:t>
+              <a:t>20.01.2022</a:t>
             </a:fld>
             <a:endParaRPr lang="ru-RU"/>
           </a:p>
@@ -2667,7 +2673,7 @@
           <a:p>
             <a:fld id="{C0CC1364-D1D4-4EF7-A146-2C4E57415373}" type="datetimeFigureOut">
               <a:rPr lang="ru-RU" smtClean="0"/>
-              <a:t>11.01.2022</a:t>
+              <a:t>20.01.2022</a:t>
             </a:fld>
             <a:endParaRPr lang="ru-RU"/>
           </a:p>
@@ -2908,7 +2914,7 @@
           <a:p>
             <a:fld id="{C0CC1364-D1D4-4EF7-A146-2C4E57415373}" type="datetimeFigureOut">
               <a:rPr lang="ru-RU" smtClean="0"/>
-              <a:t>11.01.2022</a:t>
+              <a:t>20.01.2022</a:t>
             </a:fld>
             <a:endParaRPr lang="ru-RU"/>
           </a:p>
@@ -3393,13 +3399,7 @@
       </p:grpSpPr>
       <p:pic>
         <p:nvPicPr>
-          <p:cNvPr id="3" name="Рисунок 2">
-            <a:extLst>
-              <a:ext uri="{FF2B5EF4-FFF2-40B4-BE49-F238E27FC236}">
-                <a16:creationId xmlns:a16="http://schemas.microsoft.com/office/drawing/2014/main" id="{30EFF6A0-E46C-4C6D-AAD0-C796EBED7525}"/>
-              </a:ext>
-            </a:extLst>
-          </p:cNvPr>
+          <p:cNvPr id="6" name="Рисунок 5"/>
           <p:cNvPicPr>
             <a:picLocks noChangeAspect="1"/>
           </p:cNvPicPr>
@@ -3419,14 +3419,113 @@
         </p:blipFill>
         <p:spPr>
           <a:xfrm>
-            <a:off x="0" y="0"/>
-            <a:ext cx="12192000" cy="6858000"/>
+            <a:off x="3174" y="0"/>
+            <a:ext cx="12185651" cy="6858000"/>
           </a:xfrm>
           <a:prstGeom prst="rect">
             <a:avLst/>
           </a:prstGeom>
         </p:spPr>
       </p:pic>
+      <p:sp>
+        <p:nvSpPr>
+          <p:cNvPr id="7" name="TextBox 6"/>
+          <p:cNvSpPr txBox="1"/>
+          <p:nvPr/>
+        </p:nvSpPr>
+        <p:spPr>
+          <a:xfrm>
+            <a:off x="906835" y="1413063"/>
+            <a:ext cx="10378327" cy="4031873"/>
+          </a:xfrm>
+          <a:prstGeom prst="rect">
+            <a:avLst/>
+          </a:prstGeom>
+          <a:noFill/>
+        </p:spPr>
+        <p:txBody>
+          <a:bodyPr wrap="square" rtlCol="0">
+            <a:spAutoFit/>
+          </a:bodyPr>
+          <a:lstStyle/>
+          <a:p>
+            <a:pPr lvl="0" algn="just" hangingPunct="0"/>
+            <a:r>
+              <a:rPr lang="ru-RU" sz="3200" b="1" dirty="0"/>
+              <a:t>Актуальность</a:t>
+            </a:r>
+            <a:endParaRPr lang="ru-RU" sz="3200" dirty="0"/>
+          </a:p>
+          <a:p>
+            <a:pPr algn="just" hangingPunct="0"/>
+            <a:r>
+              <a:rPr lang="ru-RU" sz="2400" dirty="0"/>
+              <a:t>Большинство людей любят проводить отдых, играя в компьютерные игры. Компьютерные игры позволяют перенестись в "иной мир" и хотя бы на время побыть кем-то другим и получить от этого удовольствие. Игры привлекательны тем, что позволяют почувствовать нечто, чего не хватает в обычной жизни. Мы решили написать легкую игру для получения эмоционального расслабления и удовольствия</a:t>
+            </a:r>
+            <a:r>
+              <a:rPr lang="ru-RU" sz="2400" dirty="0" smtClean="0"/>
+              <a:t>.</a:t>
+            </a:r>
+            <a:endParaRPr lang="en-US" sz="2400" dirty="0" smtClean="0"/>
+          </a:p>
+          <a:p>
+            <a:pPr algn="just" hangingPunct="0"/>
+            <a:endParaRPr lang="ru-RU" sz="2400" dirty="0"/>
+          </a:p>
+          <a:p>
+            <a:pPr lvl="0" algn="just" hangingPunct="0"/>
+            <a:r>
+              <a:rPr lang="ru-RU" sz="3200" b="1" dirty="0"/>
+              <a:t>Задача</a:t>
+            </a:r>
+            <a:r>
+              <a:rPr lang="ru-RU" sz="2400" b="1" dirty="0"/>
+              <a:t> </a:t>
+            </a:r>
+            <a:endParaRPr lang="ru-RU" sz="2400" dirty="0"/>
+          </a:p>
+          <a:p>
+            <a:pPr algn="just" hangingPunct="0"/>
+            <a:r>
+              <a:rPr lang="ru-RU" sz="2400" dirty="0"/>
+              <a:t>Переписать известную игру «</a:t>
+            </a:r>
+            <a:r>
+              <a:rPr lang="ru-RU" sz="2400" dirty="0" err="1"/>
+              <a:t>doodle</a:t>
+            </a:r>
+            <a:r>
+              <a:rPr lang="ru-RU" sz="2400" dirty="0"/>
+              <a:t> </a:t>
+            </a:r>
+            <a:r>
+              <a:rPr lang="ru-RU" sz="2400" dirty="0" err="1"/>
+              <a:t>jump</a:t>
+            </a:r>
+            <a:r>
+              <a:rPr lang="ru-RU" sz="2400" dirty="0"/>
+              <a:t>» в стиле игры «</a:t>
+            </a:r>
+            <a:r>
+              <a:rPr lang="ru-RU" sz="2400" dirty="0" err="1"/>
+              <a:t>Genshin</a:t>
+            </a:r>
+            <a:r>
+              <a:rPr lang="ru-RU" sz="2400" dirty="0"/>
+              <a:t> </a:t>
+            </a:r>
+            <a:r>
+              <a:rPr lang="ru-RU" sz="2400" dirty="0" err="1"/>
+              <a:t>Impact</a:t>
+            </a:r>
+            <a:r>
+              <a:rPr lang="ru-RU" sz="2400" dirty="0" smtClean="0"/>
+              <a:t>»</a:t>
+            </a:r>
+            <a:endParaRPr lang="ru-RU" sz="2400" dirty="0"/>
+          </a:p>
+        </p:txBody>
+      </p:sp>
     </p:spTree>
     <p:extLst>
       <p:ext uri="{BB962C8B-B14F-4D97-AF65-F5344CB8AC3E}">
@@ -3459,13 +3558,7 @@
       </p:grpSpPr>
       <p:pic>
         <p:nvPicPr>
-          <p:cNvPr id="3" name="Рисунок 2">
-            <a:extLst>
-              <a:ext uri="{FF2B5EF4-FFF2-40B4-BE49-F238E27FC236}">
-                <a16:creationId xmlns:a16="http://schemas.microsoft.com/office/drawing/2014/main" id="{8C6FE1A5-3798-40C8-841F-416DC482C022}"/>
-              </a:ext>
-            </a:extLst>
-          </p:cNvPr>
+          <p:cNvPr id="2" name="Рисунок 1"/>
           <p:cNvPicPr>
             <a:picLocks noChangeAspect="1"/>
           </p:cNvPicPr>
@@ -3485,14 +3578,269 @@
         </p:blipFill>
         <p:spPr>
           <a:xfrm>
-            <a:off x="0" y="0"/>
-            <a:ext cx="12192000" cy="6858000"/>
+            <a:off x="3174" y="0"/>
+            <a:ext cx="12185651" cy="6858000"/>
           </a:xfrm>
           <a:prstGeom prst="rect">
             <a:avLst/>
           </a:prstGeom>
         </p:spPr>
       </p:pic>
+      <p:sp>
+        <p:nvSpPr>
+          <p:cNvPr id="4" name="Прямоугольник 3"/>
+          <p:cNvSpPr/>
+          <p:nvPr/>
+        </p:nvSpPr>
+        <p:spPr>
+          <a:xfrm>
+            <a:off x="808157" y="742431"/>
+            <a:ext cx="10575683" cy="5373138"/>
+          </a:xfrm>
+          <a:prstGeom prst="rect">
+            <a:avLst/>
+          </a:prstGeom>
+        </p:spPr>
+        <p:txBody>
+          <a:bodyPr wrap="square">
+            <a:spAutoFit/>
+          </a:bodyPr>
+          <a:lstStyle/>
+          <a:p>
+            <a:pPr lvl="0" algn="just" hangingPunct="0">
+              <a:lnSpc>
+                <a:spcPct val="107000"/>
+              </a:lnSpc>
+              <a:spcAft>
+                <a:spcPts val="600"/>
+              </a:spcAft>
+            </a:pPr>
+            <a:r>
+              <a:rPr lang="ru-RU" sz="3200" b="1" dirty="0">
+                <a:latin typeface="Calibri" panose="020F0502020204030204" pitchFamily="34" charset="0"/>
+                <a:ea typeface="Times New Roman" panose="02020603050405020304" pitchFamily="18" charset="0"/>
+                <a:cs typeface="Times New Roman" panose="02020603050405020304" pitchFamily="18" charset="0"/>
+              </a:rPr>
+              <a:t>Основные функции программы, которые планировались к реализации </a:t>
+            </a:r>
+            <a:endParaRPr lang="ru-RU" sz="3200" dirty="0">
+              <a:latin typeface="Calibri" panose="020F0502020204030204" pitchFamily="34" charset="0"/>
+              <a:ea typeface="Times New Roman" panose="02020603050405020304" pitchFamily="18" charset="0"/>
+              <a:cs typeface="Times New Roman" panose="02020603050405020304" pitchFamily="18" charset="0"/>
+            </a:endParaRPr>
+          </a:p>
+          <a:p>
+            <a:pPr marL="342900" lvl="0" indent="-342900" algn="just" hangingPunct="0">
+              <a:lnSpc>
+                <a:spcPct val="107000"/>
+              </a:lnSpc>
+              <a:spcAft>
+                <a:spcPts val="600"/>
+              </a:spcAft>
+              <a:buFont typeface="Symbol" panose="05050102010706020507" pitchFamily="18" charset="2"/>
+              <a:buChar char=""/>
+            </a:pPr>
+            <a:r>
+              <a:rPr lang="ru-RU" sz="2400" dirty="0">
+                <a:latin typeface="Calibri" panose="020F0502020204030204" pitchFamily="34" charset="0"/>
+                <a:ea typeface="Times New Roman" panose="02020603050405020304" pitchFamily="18" charset="0"/>
+                <a:cs typeface="Times New Roman" panose="02020603050405020304" pitchFamily="18" charset="0"/>
+              </a:rPr>
+              <a:t>Самостоятельное движение персонажа вверх-вниз и влево-вправо с помощью стрелок </a:t>
+            </a:r>
+          </a:p>
+          <a:p>
+            <a:pPr marL="342900" lvl="0" indent="-342900" algn="just" hangingPunct="0">
+              <a:lnSpc>
+                <a:spcPct val="107000"/>
+              </a:lnSpc>
+              <a:spcAft>
+                <a:spcPts val="600"/>
+              </a:spcAft>
+              <a:buFont typeface="Symbol" panose="05050102010706020507" pitchFamily="18" charset="2"/>
+              <a:buChar char=""/>
+            </a:pPr>
+            <a:r>
+              <a:rPr lang="ru-RU" sz="2400" dirty="0">
+                <a:latin typeface="Calibri" panose="020F0502020204030204" pitchFamily="34" charset="0"/>
+                <a:ea typeface="Times New Roman" panose="02020603050405020304" pitchFamily="18" charset="0"/>
+                <a:cs typeface="Times New Roman" panose="02020603050405020304" pitchFamily="18" charset="0"/>
+              </a:rPr>
+              <a:t>Открытие других окон с помощью латинских букв на клавиатуре</a:t>
+            </a:r>
+          </a:p>
+          <a:p>
+            <a:pPr marL="342900" lvl="0" indent="-342900" algn="just" hangingPunct="0">
+              <a:lnSpc>
+                <a:spcPct val="107000"/>
+              </a:lnSpc>
+              <a:spcAft>
+                <a:spcPts val="600"/>
+              </a:spcAft>
+              <a:buFont typeface="Symbol" panose="05050102010706020507" pitchFamily="18" charset="2"/>
+              <a:buChar char=""/>
+            </a:pPr>
+            <a:r>
+              <a:rPr lang="ru-RU" sz="2400" dirty="0" err="1">
+                <a:latin typeface="Calibri" panose="020F0502020204030204" pitchFamily="34" charset="0"/>
+                <a:ea typeface="Times New Roman" panose="02020603050405020304" pitchFamily="18" charset="0"/>
+                <a:cs typeface="Times New Roman" panose="02020603050405020304" pitchFamily="18" charset="0"/>
+              </a:rPr>
+              <a:t>Рандомное</a:t>
+            </a:r>
+            <a:r>
+              <a:rPr lang="ru-RU" sz="2400" dirty="0">
+                <a:latin typeface="Calibri" panose="020F0502020204030204" pitchFamily="34" charset="0"/>
+                <a:ea typeface="Times New Roman" panose="02020603050405020304" pitchFamily="18" charset="0"/>
+                <a:cs typeface="Times New Roman" panose="02020603050405020304" pitchFamily="18" charset="0"/>
+              </a:rPr>
+              <a:t> генерирование платформ и бонусов на них</a:t>
+            </a:r>
+          </a:p>
+          <a:p>
+            <a:pPr marL="342900" lvl="0" indent="-342900" algn="just" hangingPunct="0">
+              <a:lnSpc>
+                <a:spcPct val="107000"/>
+              </a:lnSpc>
+              <a:spcAft>
+                <a:spcPts val="600"/>
+              </a:spcAft>
+              <a:buFont typeface="Symbol" panose="05050102010706020507" pitchFamily="18" charset="2"/>
+              <a:buChar char=""/>
+            </a:pPr>
+            <a:r>
+              <a:rPr lang="ru-RU" sz="2400" dirty="0">
+                <a:latin typeface="Calibri" panose="020F0502020204030204" pitchFamily="34" charset="0"/>
+                <a:ea typeface="Times New Roman" panose="02020603050405020304" pitchFamily="18" charset="0"/>
+                <a:cs typeface="Times New Roman" panose="02020603050405020304" pitchFamily="18" charset="0"/>
+              </a:rPr>
+              <a:t>Хранение количества моры (денег), открытых </a:t>
+            </a:r>
+            <a:r>
+              <a:rPr lang="ru-RU" sz="2400" dirty="0" err="1">
+                <a:latin typeface="Calibri" panose="020F0502020204030204" pitchFamily="34" charset="0"/>
+                <a:ea typeface="Times New Roman" panose="02020603050405020304" pitchFamily="18" charset="0"/>
+                <a:cs typeface="Times New Roman" panose="02020603050405020304" pitchFamily="18" charset="0"/>
+              </a:rPr>
+              <a:t>скинов</a:t>
+            </a:r>
+            <a:r>
+              <a:rPr lang="ru-RU" sz="2400" dirty="0">
+                <a:latin typeface="Calibri" panose="020F0502020204030204" pitchFamily="34" charset="0"/>
+                <a:ea typeface="Times New Roman" panose="02020603050405020304" pitchFamily="18" charset="0"/>
+                <a:cs typeface="Times New Roman" panose="02020603050405020304" pitchFamily="18" charset="0"/>
+              </a:rPr>
+              <a:t> и рекордной высоты в базе данных</a:t>
+            </a:r>
+          </a:p>
+          <a:p>
+            <a:pPr marL="342900" lvl="0" indent="-342900" algn="just" hangingPunct="0">
+              <a:lnSpc>
+                <a:spcPct val="107000"/>
+              </a:lnSpc>
+              <a:spcAft>
+                <a:spcPts val="600"/>
+              </a:spcAft>
+              <a:buFont typeface="Symbol" panose="05050102010706020507" pitchFamily="18" charset="2"/>
+              <a:buChar char=""/>
+            </a:pPr>
+            <a:r>
+              <a:rPr lang="ru-RU" sz="2400" dirty="0">
+                <a:latin typeface="Calibri" panose="020F0502020204030204" pitchFamily="34" charset="0"/>
+                <a:ea typeface="Times New Roman" panose="02020603050405020304" pitchFamily="18" charset="0"/>
+                <a:cs typeface="Times New Roman" panose="02020603050405020304" pitchFamily="18" charset="0"/>
+              </a:rPr>
+              <a:t>Покупка </a:t>
+            </a:r>
+            <a:r>
+              <a:rPr lang="ru-RU" sz="2400" dirty="0" err="1">
+                <a:latin typeface="Calibri" panose="020F0502020204030204" pitchFamily="34" charset="0"/>
+                <a:ea typeface="Times New Roman" panose="02020603050405020304" pitchFamily="18" charset="0"/>
+                <a:cs typeface="Times New Roman" panose="02020603050405020304" pitchFamily="18" charset="0"/>
+              </a:rPr>
+              <a:t>скинов</a:t>
+            </a:r>
+            <a:endParaRPr lang="ru-RU" sz="2400" dirty="0">
+              <a:latin typeface="Calibri" panose="020F0502020204030204" pitchFamily="34" charset="0"/>
+              <a:ea typeface="Times New Roman" panose="02020603050405020304" pitchFamily="18" charset="0"/>
+              <a:cs typeface="Times New Roman" panose="02020603050405020304" pitchFamily="18" charset="0"/>
+            </a:endParaRPr>
+          </a:p>
+          <a:p>
+            <a:pPr lvl="0" algn="just" hangingPunct="0">
+              <a:lnSpc>
+                <a:spcPct val="107000"/>
+              </a:lnSpc>
+              <a:spcAft>
+                <a:spcPts val="600"/>
+              </a:spcAft>
+            </a:pPr>
+            <a:r>
+              <a:rPr lang="ru-RU" sz="3200" b="1" dirty="0">
+                <a:latin typeface="Calibri" panose="020F0502020204030204" pitchFamily="34" charset="0"/>
+                <a:ea typeface="Times New Roman" panose="02020603050405020304" pitchFamily="18" charset="0"/>
+                <a:cs typeface="Times New Roman" panose="02020603050405020304" pitchFamily="18" charset="0"/>
+              </a:rPr>
+              <a:t>Использованные технологии</a:t>
+            </a:r>
+            <a:endParaRPr lang="ru-RU" sz="3200" dirty="0">
+              <a:latin typeface="Calibri" panose="020F0502020204030204" pitchFamily="34" charset="0"/>
+              <a:ea typeface="Times New Roman" panose="02020603050405020304" pitchFamily="18" charset="0"/>
+              <a:cs typeface="Times New Roman" panose="02020603050405020304" pitchFamily="18" charset="0"/>
+            </a:endParaRPr>
+          </a:p>
+          <a:p>
+            <a:pPr algn="just" hangingPunct="0">
+              <a:lnSpc>
+                <a:spcPct val="107000"/>
+              </a:lnSpc>
+              <a:spcAft>
+                <a:spcPts val="600"/>
+              </a:spcAft>
+            </a:pPr>
+            <a:r>
+              <a:rPr lang="ru-RU" sz="2400" dirty="0">
+                <a:latin typeface="Calibri" panose="020F0502020204030204" pitchFamily="34" charset="0"/>
+                <a:ea typeface="Times New Roman" panose="02020603050405020304" pitchFamily="18" charset="0"/>
+                <a:cs typeface="Times New Roman" panose="02020603050405020304" pitchFamily="18" charset="0"/>
+              </a:rPr>
+              <a:t>Библиотека </a:t>
+            </a:r>
+            <a:r>
+              <a:rPr lang="en-US" sz="2400" dirty="0" err="1">
+                <a:latin typeface="Calibri" panose="020F0502020204030204" pitchFamily="34" charset="0"/>
+                <a:ea typeface="Times New Roman" panose="02020603050405020304" pitchFamily="18" charset="0"/>
+                <a:cs typeface="Times New Roman" panose="02020603050405020304" pitchFamily="18" charset="0"/>
+              </a:rPr>
+              <a:t>PyGame</a:t>
+            </a:r>
+            <a:r>
+              <a:rPr lang="ru-RU" sz="2400" dirty="0">
+                <a:latin typeface="Calibri" panose="020F0502020204030204" pitchFamily="34" charset="0"/>
+                <a:ea typeface="Times New Roman" panose="02020603050405020304" pitchFamily="18" charset="0"/>
+                <a:cs typeface="Times New Roman" panose="02020603050405020304" pitchFamily="18" charset="0"/>
+              </a:rPr>
+              <a:t> и модуль </a:t>
+            </a:r>
+            <a:r>
+              <a:rPr lang="en-US" sz="2400" dirty="0">
+                <a:latin typeface="Calibri" panose="020F0502020204030204" pitchFamily="34" charset="0"/>
+                <a:ea typeface="Times New Roman" panose="02020603050405020304" pitchFamily="18" charset="0"/>
+                <a:cs typeface="Times New Roman" panose="02020603050405020304" pitchFamily="18" charset="0"/>
+              </a:rPr>
+              <a:t>SQLite </a:t>
+            </a:r>
+            <a:r>
+              <a:rPr lang="ru-RU" sz="2400" dirty="0">
+                <a:latin typeface="Calibri" panose="020F0502020204030204" pitchFamily="34" charset="0"/>
+                <a:ea typeface="Times New Roman" panose="02020603050405020304" pitchFamily="18" charset="0"/>
+                <a:cs typeface="Times New Roman" panose="02020603050405020304" pitchFamily="18" charset="0"/>
+              </a:rPr>
+              <a:t>для базы данных.</a:t>
+            </a:r>
+          </a:p>
+        </p:txBody>
+      </p:sp>
     </p:spTree>
     <p:extLst>
       <p:ext uri="{BB962C8B-B14F-4D97-AF65-F5344CB8AC3E}">
@@ -3525,13 +3873,7 @@
       </p:grpSpPr>
       <p:pic>
         <p:nvPicPr>
-          <p:cNvPr id="3" name="Рисунок 2">
-            <a:extLst>
-              <a:ext uri="{FF2B5EF4-FFF2-40B4-BE49-F238E27FC236}">
-                <a16:creationId xmlns:a16="http://schemas.microsoft.com/office/drawing/2014/main" id="{121E685A-4413-4018-AD90-D60F98E8D9EC}"/>
-              </a:ext>
-            </a:extLst>
-          </p:cNvPr>
+          <p:cNvPr id="4" name="Рисунок 3"/>
           <p:cNvPicPr>
             <a:picLocks noChangeAspect="1"/>
           </p:cNvPicPr>
@@ -3562,7 +3904,7 @@
     </p:spTree>
     <p:extLst>
       <p:ext uri="{BB962C8B-B14F-4D97-AF65-F5344CB8AC3E}">
-        <p14:creationId xmlns:p14="http://schemas.microsoft.com/office/powerpoint/2010/main" val="1797632056"/>
+        <p14:creationId xmlns:p14="http://schemas.microsoft.com/office/powerpoint/2010/main" val="607551553"/>
       </p:ext>
     </p:extLst>
   </p:cSld>
@@ -3591,13 +3933,7 @@
       </p:grpSpPr>
       <p:pic>
         <p:nvPicPr>
-          <p:cNvPr id="3" name="Рисунок 2">
-            <a:extLst>
-              <a:ext uri="{FF2B5EF4-FFF2-40B4-BE49-F238E27FC236}">
-                <a16:creationId xmlns:a16="http://schemas.microsoft.com/office/drawing/2014/main" id="{ADE246C6-ACB6-4C45-93EB-335F3855C998}"/>
-              </a:ext>
-            </a:extLst>
-          </p:cNvPr>
+          <p:cNvPr id="2" name="Рисунок 1"/>
           <p:cNvPicPr>
             <a:picLocks noChangeAspect="1"/>
           </p:cNvPicPr>
@@ -3617,18 +3953,522 @@
         </p:blipFill>
         <p:spPr>
           <a:xfrm>
-            <a:off x="0" y="0"/>
-            <a:ext cx="12192000" cy="6858000"/>
+            <a:off x="3174" y="0"/>
+            <a:ext cx="12185651" cy="6858000"/>
           </a:xfrm>
           <a:prstGeom prst="rect">
             <a:avLst/>
           </a:prstGeom>
         </p:spPr>
       </p:pic>
+      <p:sp>
+        <p:nvSpPr>
+          <p:cNvPr id="3" name="Прямоугольник 2"/>
+          <p:cNvSpPr/>
+          <p:nvPr/>
+        </p:nvSpPr>
+        <p:spPr>
+          <a:xfrm>
+            <a:off x="780438" y="1874952"/>
+            <a:ext cx="10631122" cy="3108095"/>
+          </a:xfrm>
+          <a:prstGeom prst="rect">
+            <a:avLst/>
+          </a:prstGeom>
+        </p:spPr>
+        <p:txBody>
+          <a:bodyPr wrap="square">
+            <a:spAutoFit/>
+          </a:bodyPr>
+          <a:lstStyle/>
+          <a:p>
+            <a:pPr lvl="0" algn="just" hangingPunct="0">
+              <a:lnSpc>
+                <a:spcPct val="107000"/>
+              </a:lnSpc>
+              <a:spcAft>
+                <a:spcPts val="800"/>
+              </a:spcAft>
+            </a:pPr>
+            <a:r>
+              <a:rPr lang="ru-RU" sz="3200" b="1" dirty="0">
+                <a:latin typeface="Calibri" panose="020F0502020204030204" pitchFamily="34" charset="0"/>
+                <a:ea typeface="Times New Roman" panose="02020603050405020304" pitchFamily="18" charset="0"/>
+                <a:cs typeface="Times New Roman" panose="02020603050405020304" pitchFamily="18" charset="0"/>
+              </a:rPr>
+              <a:t>Особенности</a:t>
+            </a:r>
+            <a:endParaRPr lang="ru-RU" sz="3200" dirty="0">
+              <a:latin typeface="Calibri" panose="020F0502020204030204" pitchFamily="34" charset="0"/>
+              <a:ea typeface="Times New Roman" panose="02020603050405020304" pitchFamily="18" charset="0"/>
+              <a:cs typeface="Times New Roman" panose="02020603050405020304" pitchFamily="18" charset="0"/>
+            </a:endParaRPr>
+          </a:p>
+          <a:p>
+            <a:pPr marL="342900" lvl="0" indent="-342900" algn="just" hangingPunct="0">
+              <a:lnSpc>
+                <a:spcPct val="107000"/>
+              </a:lnSpc>
+              <a:spcAft>
+                <a:spcPts val="800"/>
+              </a:spcAft>
+              <a:buFont typeface="Symbol" panose="05050102010706020507" pitchFamily="18" charset="2"/>
+              <a:buChar char=""/>
+            </a:pPr>
+            <a:r>
+              <a:rPr lang="ru-RU" sz="2400" dirty="0">
+                <a:latin typeface="Calibri" panose="020F0502020204030204" pitchFamily="34" charset="0"/>
+                <a:ea typeface="Times New Roman" panose="02020603050405020304" pitchFamily="18" charset="0"/>
+                <a:cs typeface="Times New Roman" panose="02020603050405020304" pitchFamily="18" charset="0"/>
+              </a:rPr>
+              <a:t>реализована система сбора монеток (моры) и их обмен на </a:t>
+            </a:r>
+            <a:r>
+              <a:rPr lang="ru-RU" sz="2400" dirty="0" err="1">
+                <a:latin typeface="Calibri" panose="020F0502020204030204" pitchFamily="34" charset="0"/>
+                <a:ea typeface="Times New Roman" panose="02020603050405020304" pitchFamily="18" charset="0"/>
+                <a:cs typeface="Times New Roman" panose="02020603050405020304" pitchFamily="18" charset="0"/>
+              </a:rPr>
+              <a:t>скины</a:t>
+            </a:r>
+            <a:r>
+              <a:rPr lang="ru-RU" sz="2400" dirty="0">
+                <a:latin typeface="Calibri" panose="020F0502020204030204" pitchFamily="34" charset="0"/>
+                <a:ea typeface="Times New Roman" panose="02020603050405020304" pitchFamily="18" charset="0"/>
+                <a:cs typeface="Times New Roman" panose="02020603050405020304" pitchFamily="18" charset="0"/>
+              </a:rPr>
+              <a:t> персонажа</a:t>
+            </a:r>
+          </a:p>
+          <a:p>
+            <a:pPr marL="342900" lvl="0" indent="-342900" algn="just" hangingPunct="0">
+              <a:lnSpc>
+                <a:spcPct val="107000"/>
+              </a:lnSpc>
+              <a:spcAft>
+                <a:spcPts val="800"/>
+              </a:spcAft>
+              <a:buFont typeface="Symbol" panose="05050102010706020507" pitchFamily="18" charset="2"/>
+              <a:buChar char=""/>
+            </a:pPr>
+            <a:r>
+              <a:rPr lang="ru-RU" sz="2400" dirty="0">
+                <a:latin typeface="Calibri" panose="020F0502020204030204" pitchFamily="34" charset="0"/>
+                <a:ea typeface="Times New Roman" panose="02020603050405020304" pitchFamily="18" charset="0"/>
+                <a:cs typeface="Times New Roman" panose="02020603050405020304" pitchFamily="18" charset="0"/>
+              </a:rPr>
+              <a:t>вкладка магазина с системой смены внешнего вида персонажа</a:t>
+            </a:r>
+          </a:p>
+          <a:p>
+            <a:pPr marL="342900" lvl="0" indent="-342900" algn="just" hangingPunct="0">
+              <a:lnSpc>
+                <a:spcPct val="107000"/>
+              </a:lnSpc>
+              <a:spcAft>
+                <a:spcPts val="800"/>
+              </a:spcAft>
+              <a:buFont typeface="Symbol" panose="05050102010706020507" pitchFamily="18" charset="2"/>
+              <a:buChar char=""/>
+            </a:pPr>
+            <a:r>
+              <a:rPr lang="ru-RU" sz="2400" dirty="0">
+                <a:latin typeface="Calibri" panose="020F0502020204030204" pitchFamily="34" charset="0"/>
+                <a:ea typeface="Times New Roman" panose="02020603050405020304" pitchFamily="18" charset="0"/>
+                <a:cs typeface="Times New Roman" panose="02020603050405020304" pitchFamily="18" charset="0"/>
+              </a:rPr>
+              <a:t>реализованы “враги” с анимацией мешающие сбору монеток</a:t>
+            </a:r>
+          </a:p>
+          <a:p>
+            <a:pPr marL="342900" lvl="0" indent="-342900" algn="just" hangingPunct="0">
+              <a:lnSpc>
+                <a:spcPct val="107000"/>
+              </a:lnSpc>
+              <a:spcAft>
+                <a:spcPts val="800"/>
+              </a:spcAft>
+              <a:buFont typeface="Symbol" panose="05050102010706020507" pitchFamily="18" charset="2"/>
+              <a:buChar char=""/>
+            </a:pPr>
+            <a:r>
+              <a:rPr lang="ru-RU" sz="2400" dirty="0">
+                <a:latin typeface="Calibri" panose="020F0502020204030204" pitchFamily="34" charset="0"/>
+                <a:ea typeface="Times New Roman" panose="02020603050405020304" pitchFamily="18" charset="0"/>
+                <a:cs typeface="Times New Roman" panose="02020603050405020304" pitchFamily="18" charset="0"/>
+              </a:rPr>
+              <a:t>учёт рекордной высоты и сложности</a:t>
+            </a:r>
+          </a:p>
+          <a:p>
+            <a:pPr marL="342900" lvl="0" indent="-342900" algn="just" hangingPunct="0">
+              <a:lnSpc>
+                <a:spcPct val="107000"/>
+              </a:lnSpc>
+              <a:spcAft>
+                <a:spcPts val="800"/>
+              </a:spcAft>
+              <a:buFont typeface="Symbol" panose="05050102010706020507" pitchFamily="18" charset="2"/>
+              <a:buChar char=""/>
+            </a:pPr>
+            <a:r>
+              <a:rPr lang="ru-RU" sz="2400" dirty="0">
+                <a:latin typeface="Calibri" panose="020F0502020204030204" pitchFamily="34" charset="0"/>
+                <a:ea typeface="Times New Roman" panose="02020603050405020304" pitchFamily="18" charset="0"/>
+                <a:cs typeface="Times New Roman" panose="02020603050405020304" pitchFamily="18" charset="0"/>
+              </a:rPr>
+              <a:t>подражание стилистике </a:t>
+            </a:r>
+            <a:r>
+              <a:rPr lang="ru-RU" sz="2400" dirty="0" err="1">
+                <a:latin typeface="Calibri" panose="020F0502020204030204" pitchFamily="34" charset="0"/>
+                <a:ea typeface="Times New Roman" panose="02020603050405020304" pitchFamily="18" charset="0"/>
+                <a:cs typeface="Times New Roman" panose="02020603050405020304" pitchFamily="18" charset="0"/>
+              </a:rPr>
+              <a:t>Genshin</a:t>
+            </a:r>
+            <a:r>
+              <a:rPr lang="ru-RU" sz="2400" dirty="0">
+                <a:latin typeface="Calibri" panose="020F0502020204030204" pitchFamily="34" charset="0"/>
+                <a:ea typeface="Times New Roman" panose="02020603050405020304" pitchFamily="18" charset="0"/>
+                <a:cs typeface="Times New Roman" panose="02020603050405020304" pitchFamily="18" charset="0"/>
+              </a:rPr>
+              <a:t> </a:t>
+            </a:r>
+            <a:r>
+              <a:rPr lang="ru-RU" sz="2400" dirty="0" err="1">
+                <a:latin typeface="Calibri" panose="020F0502020204030204" pitchFamily="34" charset="0"/>
+                <a:ea typeface="Times New Roman" panose="02020603050405020304" pitchFamily="18" charset="0"/>
+                <a:cs typeface="Times New Roman" panose="02020603050405020304" pitchFamily="18" charset="0"/>
+              </a:rPr>
+              <a:t>Impact</a:t>
+            </a:r>
+            <a:endParaRPr lang="ru-RU" sz="2400" dirty="0">
+              <a:latin typeface="Calibri" panose="020F0502020204030204" pitchFamily="34" charset="0"/>
+              <a:ea typeface="Times New Roman" panose="02020603050405020304" pitchFamily="18" charset="0"/>
+              <a:cs typeface="Times New Roman" panose="02020603050405020304" pitchFamily="18" charset="0"/>
+            </a:endParaRPr>
+          </a:p>
+        </p:txBody>
+      </p:sp>
     </p:spTree>
     <p:extLst>
       <p:ext uri="{BB962C8B-B14F-4D97-AF65-F5344CB8AC3E}">
-        <p14:creationId xmlns:p14="http://schemas.microsoft.com/office/powerpoint/2010/main" val="1524276944"/>
+        <p14:creationId xmlns:p14="http://schemas.microsoft.com/office/powerpoint/2010/main" val="4129961377"/>
+      </p:ext>
+    </p:extLst>
+  </p:cSld>
+  <p:clrMapOvr>
+    <a:masterClrMapping/>
+  </p:clrMapOvr>
+</p:sld>
+</file>
+
+<file path=ppt/slides/slide6.xml><?xml version="1.0" encoding="utf-8"?>
+<p:sld xmlns:a="http://schemas.openxmlformats.org/drawingml/2006/main" xmlns:r="http://schemas.openxmlformats.org/officeDocument/2006/relationships" xmlns:p="http://schemas.openxmlformats.org/presentationml/2006/main">
+  <p:cSld>
+    <p:spTree>
+      <p:nvGrpSpPr>
+        <p:cNvPr id="1" name=""/>
+        <p:cNvGrpSpPr/>
+        <p:nvPr/>
+      </p:nvGrpSpPr>
+      <p:grpSpPr>
+        <a:xfrm>
+          <a:off x="0" y="0"/>
+          <a:ext cx="0" cy="0"/>
+          <a:chOff x="0" y="0"/>
+          <a:chExt cx="0" cy="0"/>
+        </a:xfrm>
+      </p:grpSpPr>
+      <p:pic>
+        <p:nvPicPr>
+          <p:cNvPr id="2" name="Рисунок 1"/>
+          <p:cNvPicPr>
+            <a:picLocks noChangeAspect="1"/>
+          </p:cNvPicPr>
+          <p:nvPr/>
+        </p:nvPicPr>
+        <p:blipFill>
+          <a:blip r:embed="rId2">
+            <a:extLst>
+              <a:ext uri="{28A0092B-C50C-407E-A947-70E740481C1C}">
+                <a14:useLocalDpi xmlns:a14="http://schemas.microsoft.com/office/drawing/2010/main" val="0"/>
+              </a:ext>
+            </a:extLst>
+          </a:blip>
+          <a:stretch>
+            <a:fillRect/>
+          </a:stretch>
+        </p:blipFill>
+        <p:spPr>
+          <a:xfrm>
+            <a:off x="3174" y="0"/>
+            <a:ext cx="12185651" cy="6858000"/>
+          </a:xfrm>
+          <a:prstGeom prst="rect">
+            <a:avLst/>
+          </a:prstGeom>
+        </p:spPr>
+      </p:pic>
+      <p:sp>
+        <p:nvSpPr>
+          <p:cNvPr id="3" name="Прямоугольник 2"/>
+          <p:cNvSpPr/>
+          <p:nvPr/>
+        </p:nvSpPr>
+        <p:spPr>
+          <a:xfrm>
+            <a:off x="625718" y="1333490"/>
+            <a:ext cx="10940562" cy="4191019"/>
+          </a:xfrm>
+          <a:prstGeom prst="rect">
+            <a:avLst/>
+          </a:prstGeom>
+        </p:spPr>
+        <p:txBody>
+          <a:bodyPr wrap="square">
+            <a:spAutoFit/>
+          </a:bodyPr>
+          <a:lstStyle/>
+          <a:p>
+            <a:pPr lvl="0" algn="just" hangingPunct="0">
+              <a:lnSpc>
+                <a:spcPct val="107000"/>
+              </a:lnSpc>
+              <a:spcAft>
+                <a:spcPts val="800"/>
+              </a:spcAft>
+            </a:pPr>
+            <a:r>
+              <a:rPr lang="ru-RU" sz="3200" b="1" dirty="0">
+                <a:latin typeface="Calibri" panose="020F0502020204030204" pitchFamily="34" charset="0"/>
+                <a:ea typeface="Times New Roman" panose="02020603050405020304" pitchFamily="18" charset="0"/>
+                <a:cs typeface="Calibri" panose="020F0502020204030204" pitchFamily="34" charset="0"/>
+              </a:rPr>
+              <a:t>Заключение</a:t>
+            </a:r>
+            <a:r>
+              <a:rPr lang="ru-RU" sz="2400" b="1" dirty="0">
+                <a:latin typeface="Calibri" panose="020F0502020204030204" pitchFamily="34" charset="0"/>
+                <a:ea typeface="Times New Roman" panose="02020603050405020304" pitchFamily="18" charset="0"/>
+                <a:cs typeface="Calibri" panose="020F0502020204030204" pitchFamily="34" charset="0"/>
+              </a:rPr>
+              <a:t> </a:t>
+            </a:r>
+            <a:endParaRPr lang="ru-RU" sz="2400" dirty="0">
+              <a:latin typeface="Calibri" panose="020F0502020204030204" pitchFamily="34" charset="0"/>
+              <a:ea typeface="Times New Roman" panose="02020603050405020304" pitchFamily="18" charset="0"/>
+              <a:cs typeface="Times New Roman" panose="02020603050405020304" pitchFamily="18" charset="0"/>
+            </a:endParaRPr>
+          </a:p>
+          <a:p>
+            <a:pPr algn="just" hangingPunct="0">
+              <a:lnSpc>
+                <a:spcPct val="107000"/>
+              </a:lnSpc>
+              <a:spcAft>
+                <a:spcPts val="800"/>
+              </a:spcAft>
+            </a:pPr>
+            <a:r>
+              <a:rPr lang="ru-RU" sz="2400" dirty="0">
+                <a:latin typeface="Calibri" panose="020F0502020204030204" pitchFamily="34" charset="0"/>
+                <a:ea typeface="Times New Roman" panose="02020603050405020304" pitchFamily="18" charset="0"/>
+                <a:cs typeface="Calibri" panose="020F0502020204030204" pitchFamily="34" charset="0"/>
+              </a:rPr>
+              <a:t>Нам удалось создать игру, похожую на «</a:t>
+            </a:r>
+            <a:r>
+              <a:rPr lang="ru-RU" sz="2400" dirty="0" err="1">
+                <a:latin typeface="Calibri" panose="020F0502020204030204" pitchFamily="34" charset="0"/>
+                <a:ea typeface="Times New Roman" panose="02020603050405020304" pitchFamily="18" charset="0"/>
+                <a:cs typeface="Calibri" panose="020F0502020204030204" pitchFamily="34" charset="0"/>
+              </a:rPr>
+              <a:t>doodle</a:t>
+            </a:r>
+            <a:r>
+              <a:rPr lang="ru-RU" sz="2400" dirty="0">
+                <a:latin typeface="Calibri" panose="020F0502020204030204" pitchFamily="34" charset="0"/>
+                <a:ea typeface="Times New Roman" panose="02020603050405020304" pitchFamily="18" charset="0"/>
+                <a:cs typeface="Calibri" panose="020F0502020204030204" pitchFamily="34" charset="0"/>
+              </a:rPr>
+              <a:t> </a:t>
+            </a:r>
+            <a:r>
+              <a:rPr lang="ru-RU" sz="2400" dirty="0" err="1">
+                <a:latin typeface="Calibri" panose="020F0502020204030204" pitchFamily="34" charset="0"/>
+                <a:ea typeface="Times New Roman" panose="02020603050405020304" pitchFamily="18" charset="0"/>
+                <a:cs typeface="Calibri" panose="020F0502020204030204" pitchFamily="34" charset="0"/>
+              </a:rPr>
+              <a:t>jump</a:t>
+            </a:r>
+            <a:r>
+              <a:rPr lang="ru-RU" sz="2400" dirty="0">
+                <a:latin typeface="Calibri" panose="020F0502020204030204" pitchFamily="34" charset="0"/>
+                <a:ea typeface="Times New Roman" panose="02020603050405020304" pitchFamily="18" charset="0"/>
+                <a:cs typeface="Calibri" panose="020F0502020204030204" pitchFamily="34" charset="0"/>
+              </a:rPr>
+              <a:t>» в стиле игры «</a:t>
+            </a:r>
+            <a:r>
+              <a:rPr lang="ru-RU" sz="2400" dirty="0" err="1">
+                <a:latin typeface="Calibri" panose="020F0502020204030204" pitchFamily="34" charset="0"/>
+                <a:ea typeface="Times New Roman" panose="02020603050405020304" pitchFamily="18" charset="0"/>
+                <a:cs typeface="Calibri" panose="020F0502020204030204" pitchFamily="34" charset="0"/>
+              </a:rPr>
+              <a:t>Genshin</a:t>
+            </a:r>
+            <a:r>
+              <a:rPr lang="ru-RU" sz="2400" dirty="0">
+                <a:latin typeface="Calibri" panose="020F0502020204030204" pitchFamily="34" charset="0"/>
+                <a:ea typeface="Times New Roman" panose="02020603050405020304" pitchFamily="18" charset="0"/>
+                <a:cs typeface="Calibri" panose="020F0502020204030204" pitchFamily="34" charset="0"/>
+              </a:rPr>
+              <a:t> </a:t>
+            </a:r>
+            <a:r>
+              <a:rPr lang="ru-RU" sz="2400" dirty="0" err="1">
+                <a:latin typeface="Calibri" panose="020F0502020204030204" pitchFamily="34" charset="0"/>
+                <a:ea typeface="Times New Roman" panose="02020603050405020304" pitchFamily="18" charset="0"/>
+                <a:cs typeface="Calibri" panose="020F0502020204030204" pitchFamily="34" charset="0"/>
+              </a:rPr>
+              <a:t>Impact</a:t>
+            </a:r>
+            <a:r>
+              <a:rPr lang="ru-RU" sz="2400" dirty="0">
+                <a:latin typeface="Calibri" panose="020F0502020204030204" pitchFamily="34" charset="0"/>
+                <a:ea typeface="Times New Roman" panose="02020603050405020304" pitchFamily="18" charset="0"/>
+                <a:cs typeface="Calibri" panose="020F0502020204030204" pitchFamily="34" charset="0"/>
+              </a:rPr>
+              <a:t>», добавив свои фишки в виде смены </a:t>
+            </a:r>
+            <a:r>
+              <a:rPr lang="ru-RU" sz="2400" dirty="0" err="1">
+                <a:latin typeface="Calibri" panose="020F0502020204030204" pitchFamily="34" charset="0"/>
+                <a:ea typeface="Times New Roman" panose="02020603050405020304" pitchFamily="18" charset="0"/>
+                <a:cs typeface="Calibri" panose="020F0502020204030204" pitchFamily="34" charset="0"/>
+              </a:rPr>
+              <a:t>скинов</a:t>
+            </a:r>
+            <a:r>
+              <a:rPr lang="ru-RU" sz="2400" dirty="0">
+                <a:latin typeface="Calibri" panose="020F0502020204030204" pitchFamily="34" charset="0"/>
+                <a:ea typeface="Times New Roman" panose="02020603050405020304" pitchFamily="18" charset="0"/>
+                <a:cs typeface="Calibri" panose="020F0502020204030204" pitchFamily="34" charset="0"/>
+              </a:rPr>
+              <a:t>, монеток, движущихся платформ и монстров</a:t>
+            </a:r>
+            <a:endParaRPr lang="ru-RU" sz="2400" dirty="0">
+              <a:latin typeface="Calibri" panose="020F0502020204030204" pitchFamily="34" charset="0"/>
+              <a:ea typeface="Times New Roman" panose="02020603050405020304" pitchFamily="18" charset="0"/>
+              <a:cs typeface="Times New Roman" panose="02020603050405020304" pitchFamily="18" charset="0"/>
+            </a:endParaRPr>
+          </a:p>
+          <a:p>
+            <a:pPr algn="just" hangingPunct="0">
+              <a:lnSpc>
+                <a:spcPct val="107000"/>
+              </a:lnSpc>
+              <a:spcAft>
+                <a:spcPts val="800"/>
+              </a:spcAft>
+            </a:pPr>
+            <a:r>
+              <a:rPr lang="ru-RU" sz="2400" dirty="0">
+                <a:latin typeface="Calibri" panose="020F0502020204030204" pitchFamily="34" charset="0"/>
+                <a:ea typeface="Times New Roman" panose="02020603050405020304" pitchFamily="18" charset="0"/>
+                <a:cs typeface="Calibri" panose="020F0502020204030204" pitchFamily="34" charset="0"/>
+              </a:rPr>
+              <a:t>В целом, наша программа реализует закладываемый изначально функционал, </a:t>
+            </a:r>
+            <a:r>
+              <a:rPr lang="ru-RU" sz="2400" dirty="0">
+                <a:latin typeface="Calibri" panose="020F0502020204030204" pitchFamily="34" charset="0"/>
+                <a:ea typeface="Times New Roman" panose="02020603050405020304" pitchFamily="18" charset="0"/>
+                <a:cs typeface="Times New Roman" panose="02020603050405020304" pitchFamily="18" charset="0"/>
+              </a:rPr>
+              <a:t>но также имеет пути для доработки. Такие как:</a:t>
+            </a:r>
+          </a:p>
+          <a:p>
+            <a:pPr marL="342900" lvl="0" indent="-342900" algn="just" hangingPunct="0">
+              <a:lnSpc>
+                <a:spcPct val="107000"/>
+              </a:lnSpc>
+              <a:spcAft>
+                <a:spcPts val="800"/>
+              </a:spcAft>
+              <a:buFont typeface="Symbol" panose="05050102010706020507" pitchFamily="18" charset="2"/>
+              <a:buChar char=""/>
+            </a:pPr>
+            <a:r>
+              <a:rPr lang="ru-RU" sz="2400" dirty="0">
+                <a:latin typeface="Calibri" panose="020F0502020204030204" pitchFamily="34" charset="0"/>
+                <a:ea typeface="Times New Roman" panose="02020603050405020304" pitchFamily="18" charset="0"/>
+                <a:cs typeface="Times New Roman" panose="02020603050405020304" pitchFamily="18" charset="0"/>
+              </a:rPr>
+              <a:t>расширение базы данных и создание её облачной версии для бо</a:t>
+            </a:r>
+            <a:r>
+              <a:rPr lang="ru-RU" sz="2400" dirty="0">
+                <a:latin typeface="Calibri" panose="020F0502020204030204" pitchFamily="34" charset="0"/>
+                <a:ea typeface="Times New Roman" panose="02020603050405020304" pitchFamily="18" charset="0"/>
+                <a:cs typeface="Calibri" panose="020F0502020204030204" pitchFamily="34" charset="0"/>
+              </a:rPr>
+              <a:t>́</a:t>
+            </a:r>
+            <a:r>
+              <a:rPr lang="ru-RU" sz="2400" dirty="0">
+                <a:latin typeface="Calibri" panose="020F0502020204030204" pitchFamily="34" charset="0"/>
+                <a:ea typeface="Times New Roman" panose="02020603050405020304" pitchFamily="18" charset="0"/>
+                <a:cs typeface="Times New Roman" panose="02020603050405020304" pitchFamily="18" charset="0"/>
+              </a:rPr>
+              <a:t>льшего количества игроков</a:t>
+            </a:r>
+          </a:p>
+          <a:p>
+            <a:pPr marL="342900" lvl="0" indent="-342900" algn="just" hangingPunct="0">
+              <a:lnSpc>
+                <a:spcPct val="107000"/>
+              </a:lnSpc>
+              <a:spcAft>
+                <a:spcPts val="800"/>
+              </a:spcAft>
+              <a:buFont typeface="Symbol" panose="05050102010706020507" pitchFamily="18" charset="2"/>
+              <a:buChar char=""/>
+            </a:pPr>
+            <a:r>
+              <a:rPr lang="ru-RU" sz="2400" dirty="0">
+                <a:latin typeface="Calibri" panose="020F0502020204030204" pitchFamily="34" charset="0"/>
+                <a:ea typeface="Times New Roman" panose="02020603050405020304" pitchFamily="18" charset="0"/>
+                <a:cs typeface="Times New Roman" panose="02020603050405020304" pitchFamily="18" charset="0"/>
+              </a:rPr>
+              <a:t>увеличение количества </a:t>
+            </a:r>
+            <a:r>
+              <a:rPr lang="ru-RU" sz="2400" dirty="0" err="1">
+                <a:latin typeface="Calibri" panose="020F0502020204030204" pitchFamily="34" charset="0"/>
+                <a:ea typeface="Times New Roman" panose="02020603050405020304" pitchFamily="18" charset="0"/>
+                <a:cs typeface="Times New Roman" panose="02020603050405020304" pitchFamily="18" charset="0"/>
+              </a:rPr>
+              <a:t>скинов</a:t>
+            </a:r>
+            <a:r>
+              <a:rPr lang="ru-RU" sz="2400" dirty="0">
+                <a:latin typeface="Calibri" panose="020F0502020204030204" pitchFamily="34" charset="0"/>
+                <a:ea typeface="Times New Roman" panose="02020603050405020304" pitchFamily="18" charset="0"/>
+                <a:cs typeface="Times New Roman" panose="02020603050405020304" pitchFamily="18" charset="0"/>
+              </a:rPr>
+              <a:t> персонажа</a:t>
+            </a:r>
+          </a:p>
+        </p:txBody>
+      </p:sp>
+    </p:spTree>
+    <p:extLst>
+      <p:ext uri="{BB962C8B-B14F-4D97-AF65-F5344CB8AC3E}">
+        <p14:creationId xmlns:p14="http://schemas.microsoft.com/office/powerpoint/2010/main" val="71498888"/>
       </p:ext>
     </p:extLst>
   </p:cSld>
